--- a/folded_gilbert/試作/TO資料/20240223TO.pptx
+++ b/folded_gilbert/試作/TO資料/20240223TO.pptx
@@ -5,7 +5,7 @@
     <p:sldMasterId id="2147483648" r:id="rId1"/>
   </p:sldMasterIdLst>
   <p:notesMasterIdLst>
-    <p:notesMasterId r:id="rId20"/>
+    <p:notesMasterId r:id="rId21"/>
   </p:notesMasterIdLst>
   <p:sldIdLst>
     <p:sldId id="256" r:id="rId2"/>
@@ -13,19 +13,20 @@
     <p:sldId id="257" r:id="rId4"/>
     <p:sldId id="259" r:id="rId5"/>
     <p:sldId id="263" r:id="rId6"/>
-    <p:sldId id="265" r:id="rId7"/>
-    <p:sldId id="260" r:id="rId8"/>
-    <p:sldId id="264" r:id="rId9"/>
-    <p:sldId id="266" r:id="rId10"/>
-    <p:sldId id="267" r:id="rId11"/>
-    <p:sldId id="261" r:id="rId12"/>
-    <p:sldId id="272" r:id="rId13"/>
-    <p:sldId id="268" r:id="rId14"/>
-    <p:sldId id="269" r:id="rId15"/>
-    <p:sldId id="262" r:id="rId16"/>
-    <p:sldId id="273" r:id="rId17"/>
-    <p:sldId id="270" r:id="rId18"/>
-    <p:sldId id="271" r:id="rId19"/>
+    <p:sldId id="274" r:id="rId7"/>
+    <p:sldId id="265" r:id="rId8"/>
+    <p:sldId id="260" r:id="rId9"/>
+    <p:sldId id="264" r:id="rId10"/>
+    <p:sldId id="266" r:id="rId11"/>
+    <p:sldId id="267" r:id="rId12"/>
+    <p:sldId id="261" r:id="rId13"/>
+    <p:sldId id="272" r:id="rId14"/>
+    <p:sldId id="268" r:id="rId15"/>
+    <p:sldId id="269" r:id="rId16"/>
+    <p:sldId id="262" r:id="rId17"/>
+    <p:sldId id="273" r:id="rId18"/>
+    <p:sldId id="270" r:id="rId19"/>
+    <p:sldId id="271" r:id="rId20"/>
   </p:sldIdLst>
   <p:sldSz cx="12192000" cy="6858000"/>
   <p:notesSz cx="6858000" cy="9144000"/>
@@ -214,7 +215,7 @@
           <a:p>
             <a:fld id="{F8456487-DC86-474A-B4EE-F658698A396D}" type="datetimeFigureOut">
               <a:rPr kumimoji="1" lang="ja-JP" altLang="en-US" smtClean="0"/>
-              <a:t>2024/2/23</a:t>
+              <a:t>2024/3/2</a:t>
             </a:fld>
             <a:endParaRPr kumimoji="1" lang="ja-JP" altLang="en-US"/>
           </a:p>
@@ -703,7 +704,7 @@
           <a:p>
             <a:fld id="{9FDDCC71-4E0B-4CAF-B004-A737532E51DB}" type="datetime1">
               <a:rPr kumimoji="1" lang="ja-JP" altLang="en-US" smtClean="0"/>
-              <a:t>2024/2/23</a:t>
+              <a:t>2024/3/2</a:t>
             </a:fld>
             <a:endParaRPr kumimoji="1" lang="ja-JP" altLang="en-US"/>
           </a:p>
@@ -1019,7 +1020,7 @@
           <a:p>
             <a:fld id="{9759B89C-F9E7-4901-9E80-795CA00E9CCC}" type="datetime1">
               <a:rPr kumimoji="1" lang="ja-JP" altLang="en-US" smtClean="0"/>
-              <a:t>2024/2/23</a:t>
+              <a:t>2024/3/2</a:t>
             </a:fld>
             <a:endParaRPr kumimoji="1" lang="ja-JP" altLang="en-US"/>
           </a:p>
@@ -1278,7 +1279,7 @@
           <a:p>
             <a:fld id="{6220134B-D76B-4956-AC68-1FE1F5A4C946}" type="datetime1">
               <a:rPr kumimoji="1" lang="ja-JP" altLang="en-US" smtClean="0"/>
-              <a:t>2024/2/23</a:t>
+              <a:t>2024/3/2</a:t>
             </a:fld>
             <a:endParaRPr kumimoji="1" lang="ja-JP" altLang="en-US"/>
           </a:p>
@@ -1532,7 +1533,7 @@
           <a:p>
             <a:fld id="{5418ABE0-AF72-4E87-968A-C1E0F2022156}" type="datetime1">
               <a:rPr kumimoji="1" lang="ja-JP" altLang="en-US" smtClean="0"/>
-              <a:t>2024/2/23</a:t>
+              <a:t>2024/3/2</a:t>
             </a:fld>
             <a:endParaRPr kumimoji="1" lang="ja-JP" altLang="en-US"/>
           </a:p>
@@ -1904,7 +1905,7 @@
           <a:p>
             <a:fld id="{D4AE7A82-36BC-44DE-8A15-9500034F6B56}" type="datetime1">
               <a:rPr kumimoji="1" lang="ja-JP" altLang="en-US" smtClean="0"/>
-              <a:t>2024/2/23</a:t>
+              <a:t>2024/3/2</a:t>
             </a:fld>
             <a:endParaRPr kumimoji="1" lang="ja-JP" altLang="en-US"/>
           </a:p>
@@ -2252,7 +2253,7 @@
           <a:p>
             <a:fld id="{6D5D3F97-0F33-4AE2-B423-F8A6EF06FD48}" type="datetime1">
               <a:rPr kumimoji="1" lang="ja-JP" altLang="en-US" smtClean="0"/>
-              <a:t>2024/2/23</a:t>
+              <a:t>2024/3/2</a:t>
             </a:fld>
             <a:endParaRPr kumimoji="1" lang="ja-JP" altLang="en-US"/>
           </a:p>
@@ -2747,7 +2748,7 @@
           <a:p>
             <a:fld id="{2ED20D4C-723E-4C7A-A071-BFC393537034}" type="datetime1">
               <a:rPr kumimoji="1" lang="ja-JP" altLang="en-US" smtClean="0"/>
-              <a:t>2024/2/23</a:t>
+              <a:t>2024/3/2</a:t>
             </a:fld>
             <a:endParaRPr kumimoji="1" lang="ja-JP" altLang="en-US"/>
           </a:p>
@@ -2912,7 +2913,7 @@
           <a:p>
             <a:fld id="{BDA160F3-3BCD-4928-ADBB-E545A83A646C}" type="datetime1">
               <a:rPr kumimoji="1" lang="ja-JP" altLang="en-US" smtClean="0"/>
-              <a:t>2024/2/23</a:t>
+              <a:t>2024/3/2</a:t>
             </a:fld>
             <a:endParaRPr kumimoji="1" lang="ja-JP" altLang="en-US"/>
           </a:p>
@@ -3111,7 +3112,7 @@
           <a:p>
             <a:fld id="{4C193264-7B9C-4627-81C3-62646DDEC186}" type="datetime1">
               <a:rPr kumimoji="1" lang="ja-JP" altLang="en-US" smtClean="0"/>
-              <a:t>2024/2/23</a:t>
+              <a:t>2024/3/2</a:t>
             </a:fld>
             <a:endParaRPr kumimoji="1" lang="ja-JP" altLang="en-US"/>
           </a:p>
@@ -3540,7 +3541,7 @@
           <a:p>
             <a:fld id="{B6DB3667-FCD2-4865-A731-6F3946085CDE}" type="datetime1">
               <a:rPr kumimoji="1" lang="ja-JP" altLang="en-US" smtClean="0"/>
-              <a:t>2024/2/23</a:t>
+              <a:t>2024/3/2</a:t>
             </a:fld>
             <a:endParaRPr kumimoji="1" lang="ja-JP" altLang="en-US"/>
           </a:p>
@@ -3850,7 +3851,7 @@
           <a:p>
             <a:fld id="{5EEB7C97-FCDD-4DB4-BEAC-0590BBE7E4FC}" type="datetime1">
               <a:rPr kumimoji="1" lang="ja-JP" altLang="en-US" smtClean="0"/>
-              <a:t>2024/2/23</a:t>
+              <a:t>2024/3/2</a:t>
             </a:fld>
             <a:endParaRPr kumimoji="1" lang="ja-JP" altLang="en-US"/>
           </a:p>
@@ -4200,7 +4201,7 @@
           <a:p>
             <a:fld id="{EB495EDE-5EF7-4307-A9B1-01F5684097A7}" type="datetime1">
               <a:rPr lang="ja-JP" altLang="en-US" smtClean="0"/>
-              <a:t>2024/2/23</a:t>
+              <a:t>2024/3/2</a:t>
             </a:fld>
             <a:endParaRPr lang="ja-JP" altLang="en-US" dirty="0"/>
           </a:p>
@@ -4815,6 +4816,107 @@
         <p:cNvPr id="1" name="">
           <a:extLst>
             <a:ext uri="{FF2B5EF4-FFF2-40B4-BE49-F238E27FC236}">
+              <a16:creationId xmlns:a16="http://schemas.microsoft.com/office/drawing/2014/main" id="{2B493019-1432-2536-1795-FD391E34575A}"/>
+            </a:ext>
+          </a:extLst>
+        </p:cNvPr>
+        <p:cNvGrpSpPr/>
+        <p:nvPr/>
+      </p:nvGrpSpPr>
+      <p:grpSpPr>
+        <a:xfrm>
+          <a:off x="0" y="0"/>
+          <a:ext cx="0" cy="0"/>
+          <a:chOff x="0" y="0"/>
+          <a:chExt cx="0" cy="0"/>
+        </a:xfrm>
+      </p:grpSpPr>
+      <p:sp>
+        <p:nvSpPr>
+          <p:cNvPr id="2" name="タイトル 1">
+            <a:extLst>
+              <a:ext uri="{FF2B5EF4-FFF2-40B4-BE49-F238E27FC236}">
+                <a16:creationId xmlns:a16="http://schemas.microsoft.com/office/drawing/2014/main" id="{4F305FA6-89B5-54D8-47D1-31018B530944}"/>
+              </a:ext>
+            </a:extLst>
+          </p:cNvPr>
+          <p:cNvSpPr>
+            <a:spLocks noGrp="1"/>
+          </p:cNvSpPr>
+          <p:nvPr>
+            <p:ph type="title"/>
+          </p:nvPr>
+        </p:nvSpPr>
+        <p:spPr/>
+        <p:txBody>
+          <a:bodyPr/>
+          <a:lstStyle/>
+          <a:p>
+            <a:r>
+              <a:rPr lang="en-US" altLang="ja-JP" dirty="0"/>
+              <a:t>2</a:t>
+            </a:r>
+            <a:r>
+              <a:rPr kumimoji="1" lang="en-US" altLang="ja-JP" dirty="0"/>
+              <a:t>.2</a:t>
+            </a:r>
+            <a:r>
+              <a:rPr kumimoji="1" lang="ja-JP" altLang="en-US" dirty="0"/>
+              <a:t>　測定系</a:t>
+            </a:r>
+          </a:p>
+        </p:txBody>
+      </p:sp>
+      <p:sp>
+        <p:nvSpPr>
+          <p:cNvPr id="3" name="フッター プレースホルダー 2">
+            <a:extLst>
+              <a:ext uri="{FF2B5EF4-FFF2-40B4-BE49-F238E27FC236}">
+                <a16:creationId xmlns:a16="http://schemas.microsoft.com/office/drawing/2014/main" id="{6228C1AE-FF04-778F-3F3F-CFC37BABF3EE}"/>
+              </a:ext>
+            </a:extLst>
+          </p:cNvPr>
+          <p:cNvSpPr>
+            <a:spLocks noGrp="1"/>
+          </p:cNvSpPr>
+          <p:nvPr>
+            <p:ph type="ftr" sz="quarter" idx="3"/>
+          </p:nvPr>
+        </p:nvSpPr>
+        <p:spPr/>
+        <p:txBody>
+          <a:bodyPr/>
+          <a:lstStyle/>
+          <a:p>
+            <a:r>
+              <a:rPr lang="en-US" altLang="ja-JP"/>
+              <a:t>Wave Signal Processing Circuit Laboratory,  Meiji University</a:t>
+            </a:r>
+            <a:endParaRPr lang="en-US" altLang="ja-JP" dirty="0"/>
+          </a:p>
+        </p:txBody>
+      </p:sp>
+    </p:spTree>
+    <p:extLst>
+      <p:ext uri="{BB962C8B-B14F-4D97-AF65-F5344CB8AC3E}">
+        <p14:creationId xmlns:p14="http://schemas.microsoft.com/office/powerpoint/2010/main" val="1215052468"/>
+      </p:ext>
+    </p:extLst>
+  </p:cSld>
+  <p:clrMapOvr>
+    <a:masterClrMapping/>
+  </p:clrMapOvr>
+</p:sld>
+</file>
+
+<file path=ppt/slides/slide11.xml><?xml version="1.0" encoding="utf-8"?>
+<p:sld xmlns:a="http://schemas.openxmlformats.org/drawingml/2006/main" xmlns:r="http://schemas.openxmlformats.org/officeDocument/2006/relationships" xmlns:p="http://schemas.openxmlformats.org/presentationml/2006/main">
+  <p:cSld>
+    <p:spTree>
+      <p:nvGrpSpPr>
+        <p:cNvPr id="1" name="">
+          <a:extLst>
+            <a:ext uri="{FF2B5EF4-FFF2-40B4-BE49-F238E27FC236}">
               <a16:creationId xmlns:a16="http://schemas.microsoft.com/office/drawing/2014/main" id="{74EB767A-4A52-3D91-AEED-4CCD598D5C97}"/>
             </a:ext>
           </a:extLst>
@@ -4904,7 +5006,7 @@
 </p:sld>
 </file>
 
-<file path=ppt/slides/slide11.xml><?xml version="1.0" encoding="utf-8"?>
+<file path=ppt/slides/slide12.xml><?xml version="1.0" encoding="utf-8"?>
 <p:sld xmlns:a="http://schemas.openxmlformats.org/drawingml/2006/main" xmlns:r="http://schemas.openxmlformats.org/officeDocument/2006/relationships" xmlns:p="http://schemas.openxmlformats.org/presentationml/2006/main">
   <p:cSld>
     <p:spTree>
@@ -5020,7 +5122,7 @@
 </p:sld>
 </file>
 
-<file path=ppt/slides/slide12.xml><?xml version="1.0" encoding="utf-8"?>
+<file path=ppt/slides/slide13.xml><?xml version="1.0" encoding="utf-8"?>
 <p:sld xmlns:a="http://schemas.openxmlformats.org/drawingml/2006/main" xmlns:r="http://schemas.openxmlformats.org/officeDocument/2006/relationships" xmlns:p="http://schemas.openxmlformats.org/presentationml/2006/main">
   <p:cSld>
     <p:spTree>
@@ -5121,7 +5223,7 @@
 </p:sld>
 </file>
 
-<file path=ppt/slides/slide13.xml><?xml version="1.0" encoding="utf-8"?>
+<file path=ppt/slides/slide14.xml><?xml version="1.0" encoding="utf-8"?>
 <p:sld xmlns:a="http://schemas.openxmlformats.org/drawingml/2006/main" xmlns:r="http://schemas.openxmlformats.org/officeDocument/2006/relationships" xmlns:p="http://schemas.openxmlformats.org/presentationml/2006/main">
   <p:cSld>
     <p:spTree>
@@ -5218,7 +5320,7 @@
 </p:sld>
 </file>
 
-<file path=ppt/slides/slide14.xml><?xml version="1.0" encoding="utf-8"?>
+<file path=ppt/slides/slide15.xml><?xml version="1.0" encoding="utf-8"?>
 <p:sld xmlns:a="http://schemas.openxmlformats.org/drawingml/2006/main" xmlns:r="http://schemas.openxmlformats.org/officeDocument/2006/relationships" xmlns:p="http://schemas.openxmlformats.org/presentationml/2006/main">
   <p:cSld>
     <p:spTree>
@@ -5315,7 +5417,7 @@
 </p:sld>
 </file>
 
-<file path=ppt/slides/slide15.xml><?xml version="1.0" encoding="utf-8"?>
+<file path=ppt/slides/slide16.xml><?xml version="1.0" encoding="utf-8"?>
 <p:sld xmlns:a="http://schemas.openxmlformats.org/drawingml/2006/main" xmlns:r="http://schemas.openxmlformats.org/officeDocument/2006/relationships" xmlns:p="http://schemas.openxmlformats.org/presentationml/2006/main">
   <p:cSld>
     <p:spTree>
@@ -5423,7 +5525,7 @@
 </p:sld>
 </file>
 
-<file path=ppt/slides/slide16.xml><?xml version="1.0" encoding="utf-8"?>
+<file path=ppt/slides/slide17.xml><?xml version="1.0" encoding="utf-8"?>
 <p:sld xmlns:a="http://schemas.openxmlformats.org/drawingml/2006/main" xmlns:r="http://schemas.openxmlformats.org/officeDocument/2006/relationships" xmlns:p="http://schemas.openxmlformats.org/presentationml/2006/main">
   <p:cSld>
     <p:spTree>
@@ -5524,7 +5626,7 @@
 </p:sld>
 </file>
 
-<file path=ppt/slides/slide17.xml><?xml version="1.0" encoding="utf-8"?>
+<file path=ppt/slides/slide18.xml><?xml version="1.0" encoding="utf-8"?>
 <p:sld xmlns:a="http://schemas.openxmlformats.org/drawingml/2006/main" xmlns:r="http://schemas.openxmlformats.org/officeDocument/2006/relationships" xmlns:p="http://schemas.openxmlformats.org/presentationml/2006/main">
   <p:cSld>
     <p:spTree>
@@ -5621,7 +5723,7 @@
 </p:sld>
 </file>
 
-<file path=ppt/slides/slide18.xml><?xml version="1.0" encoding="utf-8"?>
+<file path=ppt/slides/slide19.xml><?xml version="1.0" encoding="utf-8"?>
 <p:sld xmlns:a="http://schemas.openxmlformats.org/drawingml/2006/main" xmlns:r="http://schemas.openxmlformats.org/officeDocument/2006/relationships" xmlns:p="http://schemas.openxmlformats.org/presentationml/2006/main">
   <p:cSld>
     <p:spTree>
@@ -6299,6 +6401,220 @@
           </a:p>
         </p:txBody>
       </p:sp>
+      <mc:AlternateContent xmlns:mc="http://schemas.openxmlformats.org/markup-compatibility/2006" xmlns:a14="http://schemas.microsoft.com/office/drawing/2010/main">
+        <mc:Choice Requires="a14">
+          <p:sp>
+            <p:nvSpPr>
+              <p:cNvPr id="6" name="テキスト ボックス 5">
+                <a:extLst>
+                  <a:ext uri="{FF2B5EF4-FFF2-40B4-BE49-F238E27FC236}">
+                    <a16:creationId xmlns:a16="http://schemas.microsoft.com/office/drawing/2014/main" id="{9FB5DD6A-45F6-24D1-4665-D3066531F5D1}"/>
+                  </a:ext>
+                </a:extLst>
+              </p:cNvPr>
+              <p:cNvSpPr txBox="1"/>
+              <p:nvPr/>
+            </p:nvSpPr>
+            <p:spPr>
+              <a:xfrm>
+                <a:off x="8453533" y="2230016"/>
+                <a:ext cx="3331029" cy="3416320"/>
+              </a:xfrm>
+              <a:prstGeom prst="rect">
+                <a:avLst/>
+              </a:prstGeom>
+              <a:noFill/>
+            </p:spPr>
+            <p:txBody>
+              <a:bodyPr wrap="square" rtlCol="0">
+                <a:spAutoFit/>
+              </a:bodyPr>
+              <a:lstStyle/>
+              <a:p>
+                <a:r>
+                  <a:rPr kumimoji="1" lang="ja-JP" altLang="en-US" dirty="0"/>
+                  <a:t>電源電圧は</a:t>
+                </a:r>
+                <a:r>
+                  <a:rPr kumimoji="1" lang="en-US" altLang="ja-JP" dirty="0"/>
+                  <a:t>1.8 V</a:t>
+                </a:r>
+                <a:r>
+                  <a:rPr kumimoji="1" lang="ja-JP" altLang="en-US" dirty="0"/>
+                  <a:t>固定。</a:t>
+                </a:r>
+                <a:endParaRPr kumimoji="1" lang="en-US" altLang="ja-JP" dirty="0"/>
+              </a:p>
+              <a:p>
+                <a:endParaRPr kumimoji="1" lang="en-US" altLang="ja-JP" dirty="0"/>
+              </a:p>
+              <a:p>
+                <a:r>
+                  <a:rPr lang="ja-JP" altLang="en-US" dirty="0"/>
+                  <a:t>ドレイン端子には</a:t>
+                </a:r>
+                <a:r>
+                  <a:rPr lang="en-US" altLang="ja-JP" dirty="0"/>
+                  <a:t>1 </a:t>
+                </a:r>
+                <a14:m>
+                  <m:oMath xmlns:m="http://schemas.openxmlformats.org/officeDocument/2006/math">
+                    <m:r>
+                      <m:rPr>
+                        <m:sty m:val="p"/>
+                      </m:rPr>
+                      <a:rPr lang="en-US" altLang="ja-JP" b="0" i="0" smtClean="0">
+                        <a:latin typeface="Cambria Math" panose="02040503050406030204" pitchFamily="18" charset="0"/>
+                      </a:rPr>
+                      <m:t>Ω</m:t>
+                    </m:r>
+                  </m:oMath>
+                </a14:m>
+                <a:r>
+                  <a:rPr lang="en-US" altLang="ja-JP" dirty="0"/>
+                  <a:t>(</a:t>
+                </a:r>
+                <a:r>
+                  <a:rPr lang="ja-JP" altLang="en-US" dirty="0"/>
+                  <a:t>低抵抗</a:t>
+                </a:r>
+                <a:r>
+                  <a:rPr lang="en-US" altLang="ja-JP" dirty="0"/>
+                  <a:t>)</a:t>
+                </a:r>
+                <a:r>
+                  <a:rPr lang="ja-JP" altLang="en-US" dirty="0"/>
+                  <a:t>を付け、電圧をモニターすることで電流を測定。</a:t>
+                </a:r>
+                <a:endParaRPr lang="en-US" altLang="ja-JP" dirty="0"/>
+              </a:p>
+              <a:p>
+                <a:endParaRPr lang="en-US" altLang="ja-JP" dirty="0"/>
+              </a:p>
+              <a:p>
+                <a:r>
+                  <a:rPr lang="ja-JP" altLang="en-US" dirty="0"/>
+                  <a:t>ゲートソース間電圧とドレイン電流の特性をソース電位を</a:t>
+                </a:r>
+                <a:r>
+                  <a:rPr lang="en-US" altLang="ja-JP" dirty="0"/>
+                  <a:t>(0.1 V</a:t>
+                </a:r>
+                <a:r>
+                  <a:rPr lang="ja-JP" altLang="en-US" dirty="0"/>
+                  <a:t>程度の幅で</a:t>
+                </a:r>
+                <a:r>
+                  <a:rPr lang="en-US" altLang="ja-JP" dirty="0"/>
+                  <a:t>)</a:t>
+                </a:r>
+                <a:r>
+                  <a:rPr lang="ja-JP" altLang="en-US" dirty="0"/>
+                  <a:t>変化させながら測定する。</a:t>
+                </a:r>
+                <a:endParaRPr lang="en-US" altLang="ja-JP" dirty="0"/>
+              </a:p>
+              <a:p>
+                <a:endParaRPr kumimoji="1" lang="en-US" altLang="ja-JP" dirty="0"/>
+              </a:p>
+              <a:p>
+                <a:r>
+                  <a:rPr kumimoji="1" lang="ja-JP" altLang="en-US" dirty="0"/>
+                  <a:t>左図は</a:t>
+                </a:r>
+                <a:r>
+                  <a:rPr kumimoji="1" lang="en-US" altLang="ja-JP" dirty="0"/>
+                  <a:t>Deep N</a:t>
+                </a:r>
+                <a:r>
+                  <a:rPr kumimoji="1" lang="ja-JP" altLang="en-US" dirty="0"/>
+                  <a:t>なしの状態。</a:t>
+                </a:r>
+              </a:p>
+            </p:txBody>
+          </p:sp>
+        </mc:Choice>
+        <mc:Fallback xmlns="">
+          <p:sp>
+            <p:nvSpPr>
+              <p:cNvPr id="6" name="テキスト ボックス 5">
+                <a:extLst>
+                  <a:ext uri="{FF2B5EF4-FFF2-40B4-BE49-F238E27FC236}">
+                    <a16:creationId xmlns:a16="http://schemas.microsoft.com/office/drawing/2014/main" id="{9FB5DD6A-45F6-24D1-4665-D3066531F5D1}"/>
+                  </a:ext>
+                </a:extLst>
+              </p:cNvPr>
+              <p:cNvSpPr txBox="1">
+                <a:spLocks noRot="1" noChangeAspect="1" noMove="1" noResize="1" noEditPoints="1" noAdjustHandles="1" noChangeArrowheads="1" noChangeShapeType="1" noTextEdit="1"/>
+              </p:cNvSpPr>
+              <p:nvPr/>
+            </p:nvSpPr>
+            <p:spPr>
+              <a:xfrm>
+                <a:off x="8453533" y="2230016"/>
+                <a:ext cx="3331029" cy="3416320"/>
+              </a:xfrm>
+              <a:prstGeom prst="rect">
+                <a:avLst/>
+              </a:prstGeom>
+              <a:blipFill>
+                <a:blip r:embed="rId3"/>
+                <a:stretch>
+                  <a:fillRect l="-1648" t="-1071" b="-1964"/>
+                </a:stretch>
+              </a:blipFill>
+            </p:spPr>
+            <p:txBody>
+              <a:bodyPr/>
+              <a:lstStyle/>
+              <a:p>
+                <a:r>
+                  <a:rPr lang="ja-JP" altLang="en-US">
+                    <a:noFill/>
+                  </a:rPr>
+                  <a:t> </a:t>
+                </a:r>
+              </a:p>
+            </p:txBody>
+          </p:sp>
+        </mc:Fallback>
+      </mc:AlternateContent>
+      <p:pic>
+        <p:nvPicPr>
+          <p:cNvPr id="7" name="図 6" descr="設計図 が含まれている画像&#10;&#10;自動的に生成された説明">
+            <a:extLst>
+              <a:ext uri="{FF2B5EF4-FFF2-40B4-BE49-F238E27FC236}">
+                <a16:creationId xmlns:a16="http://schemas.microsoft.com/office/drawing/2014/main" id="{9D63736A-FE5E-B352-CD75-26775FBFE657}"/>
+              </a:ext>
+            </a:extLst>
+          </p:cNvPr>
+          <p:cNvPicPr>
+            <a:picLocks noChangeAspect="1"/>
+          </p:cNvPicPr>
+          <p:nvPr/>
+        </p:nvPicPr>
+        <p:blipFill>
+          <a:blip r:embed="rId4">
+            <a:extLst>
+              <a:ext uri="{28A0092B-C50C-407E-A947-70E740481C1C}">
+                <a14:useLocalDpi xmlns:a14="http://schemas.microsoft.com/office/drawing/2010/main" val="0"/>
+              </a:ext>
+            </a:extLst>
+          </a:blip>
+          <a:stretch>
+            <a:fillRect/>
+          </a:stretch>
+        </p:blipFill>
+        <p:spPr>
+          <a:xfrm>
+            <a:off x="407438" y="1778176"/>
+            <a:ext cx="7669366" cy="4320000"/>
+          </a:xfrm>
+          <a:prstGeom prst="rect">
+            <a:avLst/>
+          </a:prstGeom>
+        </p:spPr>
+      </p:pic>
     </p:spTree>
     <p:extLst>
       <p:ext uri="{BB962C8B-B14F-4D97-AF65-F5344CB8AC3E}">
@@ -6334,6 +6650,194 @@
           <p:cNvPr id="2" name="タイトル 1">
             <a:extLst>
               <a:ext uri="{FF2B5EF4-FFF2-40B4-BE49-F238E27FC236}">
+                <a16:creationId xmlns:a16="http://schemas.microsoft.com/office/drawing/2014/main" id="{36B89EFB-5570-2001-7499-00431A2223E4}"/>
+              </a:ext>
+            </a:extLst>
+          </p:cNvPr>
+          <p:cNvSpPr>
+            <a:spLocks noGrp="1"/>
+          </p:cNvSpPr>
+          <p:nvPr>
+            <p:ph type="title"/>
+          </p:nvPr>
+        </p:nvSpPr>
+        <p:spPr/>
+        <p:txBody>
+          <a:bodyPr/>
+          <a:lstStyle/>
+          <a:p>
+            <a:r>
+              <a:rPr kumimoji="1" lang="en-US" altLang="ja-JP" dirty="0"/>
+              <a:t>1.2</a:t>
+            </a:r>
+            <a:r>
+              <a:rPr kumimoji="1" lang="ja-JP" altLang="en-US" dirty="0"/>
+              <a:t>　測定系</a:t>
+            </a:r>
+          </a:p>
+        </p:txBody>
+      </p:sp>
+      <p:sp>
+        <p:nvSpPr>
+          <p:cNvPr id="3" name="フッター プレースホルダー 2">
+            <a:extLst>
+              <a:ext uri="{FF2B5EF4-FFF2-40B4-BE49-F238E27FC236}">
+                <a16:creationId xmlns:a16="http://schemas.microsoft.com/office/drawing/2014/main" id="{49A56A01-1054-7296-F64A-61AF42A33C99}"/>
+              </a:ext>
+            </a:extLst>
+          </p:cNvPr>
+          <p:cNvSpPr>
+            <a:spLocks noGrp="1"/>
+          </p:cNvSpPr>
+          <p:nvPr>
+            <p:ph type="ftr" sz="quarter" idx="3"/>
+          </p:nvPr>
+        </p:nvSpPr>
+        <p:spPr/>
+        <p:txBody>
+          <a:bodyPr/>
+          <a:lstStyle/>
+          <a:p>
+            <a:r>
+              <a:rPr lang="en-US" altLang="ja-JP"/>
+              <a:t>Wave Signal Processing Circuit Laboratory,  Meiji University</a:t>
+            </a:r>
+            <a:endParaRPr lang="en-US" altLang="ja-JP" dirty="0"/>
+          </a:p>
+        </p:txBody>
+      </p:sp>
+      <p:sp>
+        <p:nvSpPr>
+          <p:cNvPr id="6" name="テキスト ボックス 5">
+            <a:extLst>
+              <a:ext uri="{FF2B5EF4-FFF2-40B4-BE49-F238E27FC236}">
+                <a16:creationId xmlns:a16="http://schemas.microsoft.com/office/drawing/2014/main" id="{92A86B66-EC0F-4EEE-3DC2-FA4A1681B407}"/>
+              </a:ext>
+            </a:extLst>
+          </p:cNvPr>
+          <p:cNvSpPr txBox="1"/>
+          <p:nvPr/>
+        </p:nvSpPr>
+        <p:spPr>
+          <a:xfrm>
+            <a:off x="8500187" y="2690336"/>
+            <a:ext cx="3461657" cy="1477328"/>
+          </a:xfrm>
+          <a:prstGeom prst="rect">
+            <a:avLst/>
+          </a:prstGeom>
+          <a:noFill/>
+        </p:spPr>
+        <p:txBody>
+          <a:bodyPr wrap="square" rtlCol="0">
+            <a:spAutoFit/>
+          </a:bodyPr>
+          <a:lstStyle/>
+          <a:p>
+            <a:r>
+              <a:rPr kumimoji="1" lang="ja-JP" altLang="en-US" dirty="0"/>
+              <a:t>右図は</a:t>
+            </a:r>
+            <a:r>
+              <a:rPr kumimoji="1" lang="en-US" altLang="ja-JP" dirty="0"/>
+              <a:t>Deep N</a:t>
+            </a:r>
+            <a:r>
+              <a:rPr kumimoji="1" lang="ja-JP" altLang="en-US" dirty="0"/>
+              <a:t>ありの場合。</a:t>
+            </a:r>
+            <a:endParaRPr kumimoji="1" lang="en-US" altLang="ja-JP" dirty="0"/>
+          </a:p>
+          <a:p>
+            <a:endParaRPr kumimoji="1" lang="en-US" altLang="ja-JP" dirty="0"/>
+          </a:p>
+          <a:p>
+            <a:r>
+              <a:rPr kumimoji="1" lang="ja-JP" altLang="en-US" dirty="0"/>
+              <a:t>接続する端子が異なるだけで測定方法は</a:t>
+            </a:r>
+            <a:r>
+              <a:rPr kumimoji="1" lang="en-US" altLang="ja-JP" dirty="0"/>
+              <a:t>Deep N</a:t>
+            </a:r>
+            <a:r>
+              <a:rPr kumimoji="1" lang="ja-JP" altLang="en-US" dirty="0"/>
+              <a:t>なしの場合と同じ。</a:t>
+            </a:r>
+          </a:p>
+        </p:txBody>
+      </p:sp>
+      <p:pic>
+        <p:nvPicPr>
+          <p:cNvPr id="5" name="図 4" descr="テキスト が含まれている画像&#10;&#10;自動的に生成された説明">
+            <a:extLst>
+              <a:ext uri="{FF2B5EF4-FFF2-40B4-BE49-F238E27FC236}">
+                <a16:creationId xmlns:a16="http://schemas.microsoft.com/office/drawing/2014/main" id="{9AD54095-3BF0-7D30-726D-D6897394475A}"/>
+              </a:ext>
+            </a:extLst>
+          </p:cNvPr>
+          <p:cNvPicPr>
+            <a:picLocks noChangeAspect="1"/>
+          </p:cNvPicPr>
+          <p:nvPr/>
+        </p:nvPicPr>
+        <p:blipFill>
+          <a:blip r:embed="rId2">
+            <a:extLst>
+              <a:ext uri="{28A0092B-C50C-407E-A947-70E740481C1C}">
+                <a14:useLocalDpi xmlns:a14="http://schemas.microsoft.com/office/drawing/2010/main" val="0"/>
+              </a:ext>
+            </a:extLst>
+          </a:blip>
+          <a:stretch>
+            <a:fillRect/>
+          </a:stretch>
+        </p:blipFill>
+        <p:spPr>
+          <a:xfrm>
+            <a:off x="370853" y="1624115"/>
+            <a:ext cx="7479999" cy="4320000"/>
+          </a:xfrm>
+          <a:prstGeom prst="rect">
+            <a:avLst/>
+          </a:prstGeom>
+        </p:spPr>
+      </p:pic>
+    </p:spTree>
+    <p:extLst>
+      <p:ext uri="{BB962C8B-B14F-4D97-AF65-F5344CB8AC3E}">
+        <p14:creationId xmlns:p14="http://schemas.microsoft.com/office/powerpoint/2010/main" val="534574677"/>
+      </p:ext>
+    </p:extLst>
+  </p:cSld>
+  <p:clrMapOvr>
+    <a:masterClrMapping/>
+  </p:clrMapOvr>
+</p:sld>
+</file>
+
+<file path=ppt/slides/slide7.xml><?xml version="1.0" encoding="utf-8"?>
+<p:sld xmlns:a="http://schemas.openxmlformats.org/drawingml/2006/main" xmlns:r="http://schemas.openxmlformats.org/officeDocument/2006/relationships" xmlns:p="http://schemas.openxmlformats.org/presentationml/2006/main">
+  <p:cSld>
+    <p:spTree>
+      <p:nvGrpSpPr>
+        <p:cNvPr id="1" name=""/>
+        <p:cNvGrpSpPr/>
+        <p:nvPr/>
+      </p:nvGrpSpPr>
+      <p:grpSpPr>
+        <a:xfrm>
+          <a:off x="0" y="0"/>
+          <a:ext cx="0" cy="0"/>
+          <a:chOff x="0" y="0"/>
+          <a:chExt cx="0" cy="0"/>
+        </a:xfrm>
+      </p:grpSpPr>
+      <p:sp>
+        <p:nvSpPr>
+          <p:cNvPr id="2" name="タイトル 1">
+            <a:extLst>
+              <a:ext uri="{FF2B5EF4-FFF2-40B4-BE49-F238E27FC236}">
                 <a16:creationId xmlns:a16="http://schemas.microsoft.com/office/drawing/2014/main" id="{CEE86ACE-D141-478C-86AA-95C23789A50B}"/>
               </a:ext>
             </a:extLst>
@@ -6387,6 +6891,156 @@
               <a:t>Wave Signal Processing Circuit Laboratory,  Meiji University</a:t>
             </a:r>
             <a:endParaRPr lang="en-US" altLang="ja-JP" dirty="0"/>
+          </a:p>
+        </p:txBody>
+      </p:sp>
+      <p:pic>
+        <p:nvPicPr>
+          <p:cNvPr id="5" name="図 4" descr="グラフ&#10;&#10;自動的に生成された説明">
+            <a:extLst>
+              <a:ext uri="{FF2B5EF4-FFF2-40B4-BE49-F238E27FC236}">
+                <a16:creationId xmlns:a16="http://schemas.microsoft.com/office/drawing/2014/main" id="{9FB287A9-0739-4F49-8684-BFB2A45154C5}"/>
+              </a:ext>
+            </a:extLst>
+          </p:cNvPr>
+          <p:cNvPicPr>
+            <a:picLocks noChangeAspect="1"/>
+          </p:cNvPicPr>
+          <p:nvPr/>
+        </p:nvPicPr>
+        <p:blipFill rotWithShape="1">
+          <a:blip r:embed="rId2">
+            <a:extLst>
+              <a:ext uri="{28A0092B-C50C-407E-A947-70E740481C1C}">
+                <a14:useLocalDpi xmlns:a14="http://schemas.microsoft.com/office/drawing/2010/main" val="0"/>
+              </a:ext>
+            </a:extLst>
+          </a:blip>
+          <a:srcRect l="20400"/>
+          <a:stretch/>
+        </p:blipFill>
+        <p:spPr>
+          <a:xfrm>
+            <a:off x="370853" y="1143000"/>
+            <a:ext cx="5493386" cy="4419600"/>
+          </a:xfrm>
+          <a:prstGeom prst="rect">
+            <a:avLst/>
+          </a:prstGeom>
+        </p:spPr>
+      </p:pic>
+      <p:pic>
+        <p:nvPicPr>
+          <p:cNvPr id="7" name="図 6" descr="グラフ, 折れ線グラフ&#10;&#10;自動的に生成された説明">
+            <a:extLst>
+              <a:ext uri="{FF2B5EF4-FFF2-40B4-BE49-F238E27FC236}">
+                <a16:creationId xmlns:a16="http://schemas.microsoft.com/office/drawing/2014/main" id="{7CCA2687-11B5-4A3A-033F-4BDE9F644B0F}"/>
+              </a:ext>
+            </a:extLst>
+          </p:cNvPr>
+          <p:cNvPicPr>
+            <a:picLocks noChangeAspect="1"/>
+          </p:cNvPicPr>
+          <p:nvPr/>
+        </p:nvPicPr>
+        <p:blipFill rotWithShape="1">
+          <a:blip r:embed="rId3">
+            <a:extLst>
+              <a:ext uri="{28A0092B-C50C-407E-A947-70E740481C1C}">
+                <a14:useLocalDpi xmlns:a14="http://schemas.microsoft.com/office/drawing/2010/main" val="0"/>
+              </a:ext>
+            </a:extLst>
+          </a:blip>
+          <a:srcRect l="18582"/>
+          <a:stretch/>
+        </p:blipFill>
+        <p:spPr>
+          <a:xfrm>
+            <a:off x="6202268" y="1143000"/>
+            <a:ext cx="5618879" cy="4419600"/>
+          </a:xfrm>
+          <a:prstGeom prst="rect">
+            <a:avLst/>
+          </a:prstGeom>
+        </p:spPr>
+      </p:pic>
+      <p:sp>
+        <p:nvSpPr>
+          <p:cNvPr id="8" name="テキスト ボックス 7">
+            <a:extLst>
+              <a:ext uri="{FF2B5EF4-FFF2-40B4-BE49-F238E27FC236}">
+                <a16:creationId xmlns:a16="http://schemas.microsoft.com/office/drawing/2014/main" id="{EC559D31-7D47-3F44-C5D5-AB9E90C06A4B}"/>
+              </a:ext>
+            </a:extLst>
+          </p:cNvPr>
+          <p:cNvSpPr txBox="1"/>
+          <p:nvPr/>
+        </p:nvSpPr>
+        <p:spPr>
+          <a:xfrm>
+            <a:off x="1732716" y="5530334"/>
+            <a:ext cx="2867025" cy="369332"/>
+          </a:xfrm>
+          <a:prstGeom prst="rect">
+            <a:avLst/>
+          </a:prstGeom>
+          <a:noFill/>
+        </p:spPr>
+        <p:txBody>
+          <a:bodyPr wrap="square" rtlCol="0">
+            <a:spAutoFit/>
+          </a:bodyPr>
+          <a:lstStyle/>
+          <a:p>
+            <a:pPr algn="ctr"/>
+            <a:r>
+              <a:rPr kumimoji="1" lang="en-US" altLang="ja-JP" dirty="0"/>
+              <a:t>DEEP N </a:t>
+            </a:r>
+            <a:r>
+              <a:rPr kumimoji="1" lang="ja-JP" altLang="en-US" dirty="0"/>
+              <a:t>なし</a:t>
+            </a:r>
+          </a:p>
+        </p:txBody>
+      </p:sp>
+      <p:sp>
+        <p:nvSpPr>
+          <p:cNvPr id="9" name="テキスト ボックス 8">
+            <a:extLst>
+              <a:ext uri="{FF2B5EF4-FFF2-40B4-BE49-F238E27FC236}">
+                <a16:creationId xmlns:a16="http://schemas.microsoft.com/office/drawing/2014/main" id="{DFAB070C-BB63-7463-E473-379E7B986B8A}"/>
+              </a:ext>
+            </a:extLst>
+          </p:cNvPr>
+          <p:cNvSpPr txBox="1"/>
+          <p:nvPr/>
+        </p:nvSpPr>
+        <p:spPr>
+          <a:xfrm>
+            <a:off x="7866816" y="5530334"/>
+            <a:ext cx="2867025" cy="369332"/>
+          </a:xfrm>
+          <a:prstGeom prst="rect">
+            <a:avLst/>
+          </a:prstGeom>
+          <a:noFill/>
+        </p:spPr>
+        <p:txBody>
+          <a:bodyPr wrap="square" rtlCol="0">
+            <a:spAutoFit/>
+          </a:bodyPr>
+          <a:lstStyle/>
+          <a:p>
+            <a:pPr algn="ctr"/>
+            <a:r>
+              <a:rPr kumimoji="1" lang="en-US" altLang="ja-JP" dirty="0"/>
+              <a:t>DEEP N </a:t>
+            </a:r>
+            <a:r>
+              <a:rPr kumimoji="1" lang="ja-JP" altLang="en-US" dirty="0"/>
+              <a:t>あり</a:t>
+            </a:r>
           </a:p>
         </p:txBody>
       </p:sp>
@@ -6403,7 +7057,7 @@
 </p:sld>
 </file>
 
-<file path=ppt/slides/slide7.xml><?xml version="1.0" encoding="utf-8"?>
+<file path=ppt/slides/slide8.xml><?xml version="1.0" encoding="utf-8"?>
 <p:sld xmlns:a="http://schemas.openxmlformats.org/drawingml/2006/main" xmlns:r="http://schemas.openxmlformats.org/officeDocument/2006/relationships" xmlns:p="http://schemas.openxmlformats.org/presentationml/2006/main">
   <p:cSld>
     <p:spTree>
@@ -6515,7 +7169,7 @@
 </p:sld>
 </file>
 
-<file path=ppt/slides/slide8.xml><?xml version="1.0" encoding="utf-8"?>
+<file path=ppt/slides/slide9.xml><?xml version="1.0" encoding="utf-8"?>
 <p:sld xmlns:a="http://schemas.openxmlformats.org/drawingml/2006/main" xmlns:r="http://schemas.openxmlformats.org/officeDocument/2006/relationships" xmlns:p="http://schemas.openxmlformats.org/presentationml/2006/main">
   <p:cSld>
     <p:spTree>
@@ -6629,8 +7283,8 @@
           </a:prstGeom>
         </p:spPr>
       </p:pic>
-      <mc:AlternateContent xmlns:mc="http://schemas.openxmlformats.org/markup-compatibility/2006">
-        <mc:Choice xmlns:a14="http://schemas.microsoft.com/office/drawing/2010/main" Requires="a14">
+      <mc:AlternateContent xmlns:mc="http://schemas.openxmlformats.org/markup-compatibility/2006" xmlns:a14="http://schemas.microsoft.com/office/drawing/2010/main">
+        <mc:Choice Requires="a14">
           <p:sp>
             <p:nvSpPr>
               <p:cNvPr id="6" name="テキスト ボックス 5">
@@ -6702,6 +7356,7 @@
                 <a:endParaRPr lang="en-US" altLang="ja-JP" dirty="0"/>
               </a:p>
               <a:p>
+                <a:pPr/>
                 <a14:m>
                   <m:oMathPara xmlns:m="http://schemas.openxmlformats.org/officeDocument/2006/math">
                     <m:oMathParaPr>
@@ -6711,7 +7366,7 @@
                       <m:d>
                         <m:dPr>
                           <m:ctrlPr>
-                            <a:rPr kumimoji="1" lang="en-US" altLang="ja-JP" b="0" smtClean="0">
+                            <a:rPr kumimoji="1" lang="en-US" altLang="ja-JP" b="0" i="1" smtClean="0">
                               <a:latin typeface="Cambria Math" panose="02040503050406030204" pitchFamily="18" charset="0"/>
                             </a:rPr>
                           </m:ctrlPr>
@@ -6805,7 +7460,7 @@
             </p:txBody>
           </p:sp>
         </mc:Choice>
-        <mc:Fallback>
+        <mc:Fallback xmlns="">
           <p:sp>
             <p:nvSpPr>
               <p:cNvPr id="6" name="テキスト ボックス 5">
@@ -6854,107 +7509,6 @@
     <p:extLst>
       <p:ext uri="{BB962C8B-B14F-4D97-AF65-F5344CB8AC3E}">
         <p14:creationId xmlns:p14="http://schemas.microsoft.com/office/powerpoint/2010/main" val="3944960862"/>
-      </p:ext>
-    </p:extLst>
-  </p:cSld>
-  <p:clrMapOvr>
-    <a:masterClrMapping/>
-  </p:clrMapOvr>
-</p:sld>
-</file>
-
-<file path=ppt/slides/slide9.xml><?xml version="1.0" encoding="utf-8"?>
-<p:sld xmlns:a="http://schemas.openxmlformats.org/drawingml/2006/main" xmlns:r="http://schemas.openxmlformats.org/officeDocument/2006/relationships" xmlns:p="http://schemas.openxmlformats.org/presentationml/2006/main">
-  <p:cSld>
-    <p:spTree>
-      <p:nvGrpSpPr>
-        <p:cNvPr id="1" name="">
-          <a:extLst>
-            <a:ext uri="{FF2B5EF4-FFF2-40B4-BE49-F238E27FC236}">
-              <a16:creationId xmlns:a16="http://schemas.microsoft.com/office/drawing/2014/main" id="{2B493019-1432-2536-1795-FD391E34575A}"/>
-            </a:ext>
-          </a:extLst>
-        </p:cNvPr>
-        <p:cNvGrpSpPr/>
-        <p:nvPr/>
-      </p:nvGrpSpPr>
-      <p:grpSpPr>
-        <a:xfrm>
-          <a:off x="0" y="0"/>
-          <a:ext cx="0" cy="0"/>
-          <a:chOff x="0" y="0"/>
-          <a:chExt cx="0" cy="0"/>
-        </a:xfrm>
-      </p:grpSpPr>
-      <p:sp>
-        <p:nvSpPr>
-          <p:cNvPr id="2" name="タイトル 1">
-            <a:extLst>
-              <a:ext uri="{FF2B5EF4-FFF2-40B4-BE49-F238E27FC236}">
-                <a16:creationId xmlns:a16="http://schemas.microsoft.com/office/drawing/2014/main" id="{4F305FA6-89B5-54D8-47D1-31018B530944}"/>
-              </a:ext>
-            </a:extLst>
-          </p:cNvPr>
-          <p:cNvSpPr>
-            <a:spLocks noGrp="1"/>
-          </p:cNvSpPr>
-          <p:nvPr>
-            <p:ph type="title"/>
-          </p:nvPr>
-        </p:nvSpPr>
-        <p:spPr/>
-        <p:txBody>
-          <a:bodyPr/>
-          <a:lstStyle/>
-          <a:p>
-            <a:r>
-              <a:rPr lang="en-US" altLang="ja-JP" dirty="0"/>
-              <a:t>2</a:t>
-            </a:r>
-            <a:r>
-              <a:rPr kumimoji="1" lang="en-US" altLang="ja-JP" dirty="0"/>
-              <a:t>.2</a:t>
-            </a:r>
-            <a:r>
-              <a:rPr kumimoji="1" lang="ja-JP" altLang="en-US" dirty="0"/>
-              <a:t>　測定系</a:t>
-            </a:r>
-          </a:p>
-        </p:txBody>
-      </p:sp>
-      <p:sp>
-        <p:nvSpPr>
-          <p:cNvPr id="3" name="フッター プレースホルダー 2">
-            <a:extLst>
-              <a:ext uri="{FF2B5EF4-FFF2-40B4-BE49-F238E27FC236}">
-                <a16:creationId xmlns:a16="http://schemas.microsoft.com/office/drawing/2014/main" id="{6228C1AE-FF04-778F-3F3F-CFC37BABF3EE}"/>
-              </a:ext>
-            </a:extLst>
-          </p:cNvPr>
-          <p:cNvSpPr>
-            <a:spLocks noGrp="1"/>
-          </p:cNvSpPr>
-          <p:nvPr>
-            <p:ph type="ftr" sz="quarter" idx="3"/>
-          </p:nvPr>
-        </p:nvSpPr>
-        <p:spPr/>
-        <p:txBody>
-          <a:bodyPr/>
-          <a:lstStyle/>
-          <a:p>
-            <a:r>
-              <a:rPr lang="en-US" altLang="ja-JP"/>
-              <a:t>Wave Signal Processing Circuit Laboratory,  Meiji University</a:t>
-            </a:r>
-            <a:endParaRPr lang="en-US" altLang="ja-JP" dirty="0"/>
-          </a:p>
-        </p:txBody>
-      </p:sp>
-    </p:spTree>
-    <p:extLst>
-      <p:ext uri="{BB962C8B-B14F-4D97-AF65-F5344CB8AC3E}">
-        <p14:creationId xmlns:p14="http://schemas.microsoft.com/office/powerpoint/2010/main" val="1215052468"/>
       </p:ext>
     </p:extLst>
   </p:cSld>

--- a/folded_gilbert/試作/TO資料/20240223TO.pptx
+++ b/folded_gilbert/試作/TO資料/20240223TO.pptx
@@ -4896,6 +4896,222 @@
           </a:p>
         </p:txBody>
       </p:sp>
+      <mc:AlternateContent xmlns:mc="http://schemas.openxmlformats.org/markup-compatibility/2006">
+        <mc:Choice xmlns:a14="http://schemas.microsoft.com/office/drawing/2010/main" Requires="a14">
+          <p:sp>
+            <p:nvSpPr>
+              <p:cNvPr id="10" name="テキスト ボックス 9">
+                <a:extLst>
+                  <a:ext uri="{FF2B5EF4-FFF2-40B4-BE49-F238E27FC236}">
+                    <a16:creationId xmlns:a16="http://schemas.microsoft.com/office/drawing/2014/main" id="{59E7AB36-E4CB-4ED6-AB58-180836000A0F}"/>
+                  </a:ext>
+                </a:extLst>
+              </p:cNvPr>
+              <p:cNvSpPr txBox="1"/>
+              <p:nvPr/>
+            </p:nvSpPr>
+            <p:spPr>
+              <a:xfrm>
+                <a:off x="7333130" y="2961003"/>
+                <a:ext cx="4078941" cy="2031325"/>
+              </a:xfrm>
+              <a:prstGeom prst="rect">
+                <a:avLst/>
+              </a:prstGeom>
+              <a:noFill/>
+            </p:spPr>
+            <p:txBody>
+              <a:bodyPr wrap="square" rtlCol="0">
+                <a:spAutoFit/>
+              </a:bodyPr>
+              <a:lstStyle/>
+              <a:p>
+                <a:r>
+                  <a:rPr kumimoji="1" lang="en-US" altLang="ja-JP" dirty="0"/>
+                  <a:t>MultiplerVDD</a:t>
+                </a:r>
+                <a:r>
+                  <a:rPr lang="ja-JP" altLang="en-US" dirty="0"/>
+                  <a:t> </a:t>
+                </a:r>
+                <a:r>
+                  <a:rPr lang="en-US" altLang="ja-JP" dirty="0"/>
+                  <a:t>:</a:t>
+                </a:r>
+                <a:r>
+                  <a:rPr lang="ja-JP" altLang="en-US" dirty="0"/>
+                  <a:t> </a:t>
+                </a:r>
+                <a:r>
+                  <a:rPr lang="en-US" altLang="ja-JP" dirty="0"/>
+                  <a:t>1.8</a:t>
+                </a:r>
+                <a:r>
+                  <a:rPr lang="ja-JP" altLang="en-US" dirty="0"/>
+                  <a:t> </a:t>
+                </a:r>
+                <a:r>
+                  <a:rPr lang="en-US" altLang="ja-JP" dirty="0"/>
+                  <a:t>V</a:t>
+                </a:r>
+              </a:p>
+              <a:p>
+                <a:r>
+                  <a:rPr kumimoji="1" lang="en-US" altLang="ja-JP" dirty="0" err="1"/>
+                  <a:t>UCurrentSourceCopy</a:t>
+                </a:r>
+                <a:r>
+                  <a:rPr kumimoji="1" lang="en-US" altLang="ja-JP" dirty="0"/>
+                  <a:t> : 0.5 V</a:t>
+                </a:r>
+              </a:p>
+              <a:p>
+                <a:r>
+                  <a:rPr lang="ja-JP" altLang="en-US" dirty="0"/>
+                  <a:t>のバイアスをかけ、</a:t>
+                </a:r>
+                <a:endParaRPr lang="en-US" altLang="ja-JP" dirty="0"/>
+              </a:p>
+              <a:p>
+                <a:r>
+                  <a:rPr lang="en-US" altLang="ja-JP" dirty="0" err="1"/>
+                  <a:t>UCurrentSourceRef</a:t>
+                </a:r>
+                <a:r>
+                  <a:rPr lang="ja-JP" altLang="en-US" dirty="0"/>
+                  <a:t>を掃引する。</a:t>
+                </a:r>
+                <a:endParaRPr lang="en-US" altLang="ja-JP" dirty="0"/>
+              </a:p>
+              <a:p>
+                <a:r>
+                  <a:rPr lang="ja-JP" altLang="en-US" dirty="0"/>
+                  <a:t>この時</a:t>
+                </a:r>
+                <a14:m>
+                  <m:oMath xmlns:m="http://schemas.openxmlformats.org/officeDocument/2006/math">
+                    <m:r>
+                      <a:rPr lang="en-US" altLang="ja-JP" b="0" i="1" smtClean="0">
+                        <a:latin typeface="Cambria Math" panose="02040503050406030204" pitchFamily="18" charset="0"/>
+                      </a:rPr>
+                      <m:t>1 </m:t>
+                    </m:r>
+                    <m:r>
+                      <m:rPr>
+                        <m:sty m:val="p"/>
+                      </m:rPr>
+                      <a:rPr lang="en-US" altLang="ja-JP" b="0" i="0" smtClean="0">
+                        <a:latin typeface="Cambria Math" panose="02040503050406030204" pitchFamily="18" charset="0"/>
+                      </a:rPr>
+                      <m:t>Ω</m:t>
+                    </m:r>
+                  </m:oMath>
+                </a14:m>
+                <a:r>
+                  <a:rPr lang="en-US" altLang="ja-JP" dirty="0"/>
+                  <a:t>(</a:t>
+                </a:r>
+                <a:r>
+                  <a:rPr lang="ja-JP" altLang="en-US" dirty="0"/>
+                  <a:t>低</a:t>
+                </a:r>
+                <a:r>
+                  <a:rPr lang="en-US" altLang="ja-JP" dirty="0"/>
+                  <a:t>)</a:t>
+                </a:r>
+                <a:r>
+                  <a:rPr lang="ja-JP" altLang="en-US" dirty="0"/>
+                  <a:t>抵抗の両端電圧を測定することで電流を測定する。</a:t>
+                </a:r>
+                <a:endParaRPr lang="en-US" altLang="ja-JP" dirty="0"/>
+              </a:p>
+              <a:p>
+                <a:endParaRPr kumimoji="1" lang="ja-JP" altLang="en-US" dirty="0"/>
+              </a:p>
+            </p:txBody>
+          </p:sp>
+        </mc:Choice>
+        <mc:Fallback>
+          <p:sp>
+            <p:nvSpPr>
+              <p:cNvPr id="10" name="テキスト ボックス 9">
+                <a:extLst>
+                  <a:ext uri="{FF2B5EF4-FFF2-40B4-BE49-F238E27FC236}">
+                    <a16:creationId xmlns:a16="http://schemas.microsoft.com/office/drawing/2014/main" id="{59E7AB36-E4CB-4ED6-AB58-180836000A0F}"/>
+                  </a:ext>
+                </a:extLst>
+              </p:cNvPr>
+              <p:cNvSpPr txBox="1">
+                <a:spLocks noRot="1" noChangeAspect="1" noMove="1" noResize="1" noEditPoints="1" noAdjustHandles="1" noChangeArrowheads="1" noChangeShapeType="1" noTextEdit="1"/>
+              </p:cNvSpPr>
+              <p:nvPr/>
+            </p:nvSpPr>
+            <p:spPr>
+              <a:xfrm>
+                <a:off x="7333130" y="2961003"/>
+                <a:ext cx="4078941" cy="2031325"/>
+              </a:xfrm>
+              <a:prstGeom prst="rect">
+                <a:avLst/>
+              </a:prstGeom>
+              <a:blipFill>
+                <a:blip r:embed="rId2"/>
+                <a:stretch>
+                  <a:fillRect l="-1345" t="-1802"/>
+                </a:stretch>
+              </a:blipFill>
+            </p:spPr>
+            <p:txBody>
+              <a:bodyPr/>
+              <a:lstStyle/>
+              <a:p>
+                <a:r>
+                  <a:rPr lang="ja-JP" altLang="en-US">
+                    <a:noFill/>
+                  </a:rPr>
+                  <a:t> </a:t>
+                </a:r>
+              </a:p>
+            </p:txBody>
+          </p:sp>
+        </mc:Fallback>
+      </mc:AlternateContent>
+      <p:pic>
+        <p:nvPicPr>
+          <p:cNvPr id="12" name="図 11" descr="グラフィカル ユーザー インターフェイス, アプリケーション&#10;&#10;自動的に生成された説明">
+            <a:extLst>
+              <a:ext uri="{FF2B5EF4-FFF2-40B4-BE49-F238E27FC236}">
+                <a16:creationId xmlns:a16="http://schemas.microsoft.com/office/drawing/2014/main" id="{62BC50AD-8698-F2EB-7226-CB55F16AD2AE}"/>
+              </a:ext>
+            </a:extLst>
+          </p:cNvPr>
+          <p:cNvPicPr>
+            <a:picLocks noChangeAspect="1"/>
+          </p:cNvPicPr>
+          <p:nvPr/>
+        </p:nvPicPr>
+        <p:blipFill>
+          <a:blip r:embed="rId3">
+            <a:extLst>
+              <a:ext uri="{28A0092B-C50C-407E-A947-70E740481C1C}">
+                <a14:useLocalDpi xmlns:a14="http://schemas.microsoft.com/office/drawing/2010/main" val="0"/>
+              </a:ext>
+            </a:extLst>
+          </a:blip>
+          <a:stretch>
+            <a:fillRect/>
+          </a:stretch>
+        </p:blipFill>
+        <p:spPr>
+          <a:xfrm>
+            <a:off x="675653" y="1845169"/>
+            <a:ext cx="6231455" cy="4262992"/>
+          </a:xfrm>
+          <a:prstGeom prst="rect">
+            <a:avLst/>
+          </a:prstGeom>
+        </p:spPr>
+      </p:pic>
     </p:spTree>
     <p:extLst>
       <p:ext uri="{BB962C8B-B14F-4D97-AF65-F5344CB8AC3E}">
@@ -4990,6 +5206,100 @@
               <a:t>Wave Signal Processing Circuit Laboratory,  Meiji University</a:t>
             </a:r>
             <a:endParaRPr lang="en-US" altLang="ja-JP" dirty="0"/>
+          </a:p>
+        </p:txBody>
+      </p:sp>
+      <p:pic>
+        <p:nvPicPr>
+          <p:cNvPr id="5" name="図 4" descr="グラフ, 折れ線グラフ&#10;&#10;自動的に生成された説明">
+            <a:extLst>
+              <a:ext uri="{FF2B5EF4-FFF2-40B4-BE49-F238E27FC236}">
+                <a16:creationId xmlns:a16="http://schemas.microsoft.com/office/drawing/2014/main" id="{E37131B2-1F62-FE61-0B34-4DF3CF0919A7}"/>
+              </a:ext>
+            </a:extLst>
+          </p:cNvPr>
+          <p:cNvPicPr>
+            <a:picLocks noChangeAspect="1"/>
+          </p:cNvPicPr>
+          <p:nvPr/>
+        </p:nvPicPr>
+        <p:blipFill rotWithShape="1">
+          <a:blip r:embed="rId2">
+            <a:extLst>
+              <a:ext uri="{28A0092B-C50C-407E-A947-70E740481C1C}">
+                <a14:useLocalDpi xmlns:a14="http://schemas.microsoft.com/office/drawing/2010/main" val="0"/>
+              </a:ext>
+            </a:extLst>
+          </a:blip>
+          <a:srcRect l="19859" t="7464" r="1794"/>
+          <a:stretch/>
+        </p:blipFill>
+        <p:spPr>
+          <a:xfrm>
+            <a:off x="762001" y="1329442"/>
+            <a:ext cx="6490446" cy="4909347"/>
+          </a:xfrm>
+          <a:prstGeom prst="rect">
+            <a:avLst/>
+          </a:prstGeom>
+        </p:spPr>
+      </p:pic>
+      <p:sp>
+        <p:nvSpPr>
+          <p:cNvPr id="6" name="テキスト ボックス 5">
+            <a:extLst>
+              <a:ext uri="{FF2B5EF4-FFF2-40B4-BE49-F238E27FC236}">
+                <a16:creationId xmlns:a16="http://schemas.microsoft.com/office/drawing/2014/main" id="{72DDDB26-558D-E91F-F566-C2DDF6CC3456}"/>
+              </a:ext>
+            </a:extLst>
+          </p:cNvPr>
+          <p:cNvSpPr txBox="1"/>
+          <p:nvPr/>
+        </p:nvSpPr>
+        <p:spPr>
+          <a:xfrm>
+            <a:off x="7700682" y="3460949"/>
+            <a:ext cx="3998259" cy="646331"/>
+          </a:xfrm>
+          <a:prstGeom prst="rect">
+            <a:avLst/>
+          </a:prstGeom>
+          <a:noFill/>
+        </p:spPr>
+        <p:txBody>
+          <a:bodyPr wrap="square" rtlCol="0">
+            <a:spAutoFit/>
+          </a:bodyPr>
+          <a:lstStyle/>
+          <a:p>
+            <a:r>
+              <a:rPr kumimoji="1" lang="ja-JP" altLang="en-US" dirty="0"/>
+              <a:t>緑 </a:t>
+            </a:r>
+            <a:r>
+              <a:rPr kumimoji="1" lang="en-US" altLang="ja-JP" dirty="0"/>
+              <a:t>: </a:t>
+            </a:r>
+            <a:r>
+              <a:rPr kumimoji="1" lang="en-US" altLang="ja-JP" dirty="0" err="1"/>
+              <a:t>UCurrentSourceCopy</a:t>
+            </a:r>
+            <a:endParaRPr kumimoji="1" lang="en-US" altLang="ja-JP" dirty="0"/>
+          </a:p>
+          <a:p>
+            <a:r>
+              <a:rPr lang="ja-JP" altLang="en-US" dirty="0"/>
+              <a:t>赤 </a:t>
+            </a:r>
+            <a:r>
+              <a:rPr lang="en-US" altLang="ja-JP" dirty="0"/>
+              <a:t>: </a:t>
+            </a:r>
+            <a:r>
+              <a:rPr lang="en-US" altLang="ja-JP" dirty="0" err="1"/>
+              <a:t>UCurrentSourceRef</a:t>
+            </a:r>
+            <a:endParaRPr kumimoji="1" lang="ja-JP" altLang="en-US" dirty="0"/>
           </a:p>
         </p:txBody>
       </p:sp>
@@ -6921,7 +7231,7 @@
         </p:blipFill>
         <p:spPr>
           <a:xfrm>
-            <a:off x="370853" y="1143000"/>
+            <a:off x="6553635" y="1219200"/>
             <a:ext cx="5493386" cy="4419600"/>
           </a:xfrm>
           <a:prstGeom prst="rect">
@@ -6956,7 +7266,7 @@
         </p:blipFill>
         <p:spPr>
           <a:xfrm>
-            <a:off x="6202268" y="1143000"/>
+            <a:off x="351629" y="1219200"/>
             <a:ext cx="5618879" cy="4419600"/>
           </a:xfrm>
           <a:prstGeom prst="rect">
